--- a/Presentation1.pptx
+++ b/Presentation1.pptx
@@ -68,7 +68,7 @@
         <p:spPr>
           <a:xfrm>
             <a:off x="504000" y="301320"/>
-            <a:ext cx="9071280" cy="1261800"/>
+            <a:ext cx="9072000" cy="1261800"/>
           </a:xfrm>
           <a:prstGeom prst="rect">
             <a:avLst/>
@@ -94,8 +94,8 @@
         </p:nvSpPr>
         <p:spPr>
           <a:xfrm>
-            <a:off x="504000" y="1769040"/>
-            <a:ext cx="9071280" cy="2090880"/>
+            <a:off x="504000" y="1768680"/>
+            <a:ext cx="9072000" cy="2090880"/>
           </a:xfrm>
           <a:prstGeom prst="rect">
             <a:avLst/>
@@ -120,8 +120,8 @@
         </p:nvSpPr>
         <p:spPr>
           <a:xfrm>
-            <a:off x="504000" y="4059000"/>
-            <a:ext cx="9071280" cy="2090880"/>
+            <a:off x="504000" y="4058640"/>
+            <a:ext cx="9072000" cy="2090880"/>
           </a:xfrm>
           <a:prstGeom prst="rect">
             <a:avLst/>
@@ -169,7 +169,7 @@
         <p:spPr>
           <a:xfrm>
             <a:off x="504000" y="301320"/>
-            <a:ext cx="9071280" cy="1261800"/>
+            <a:ext cx="9072000" cy="1261800"/>
           </a:xfrm>
           <a:prstGeom prst="rect">
             <a:avLst/>
@@ -195,8 +195,8 @@
         </p:nvSpPr>
         <p:spPr>
           <a:xfrm>
-            <a:off x="504000" y="1769040"/>
-            <a:ext cx="4426560" cy="2090880"/>
+            <a:off x="504000" y="1768680"/>
+            <a:ext cx="4426920" cy="2090880"/>
           </a:xfrm>
           <a:prstGeom prst="rect">
             <a:avLst/>
@@ -221,8 +221,8 @@
         </p:nvSpPr>
         <p:spPr>
           <a:xfrm>
-            <a:off x="5152320" y="1769040"/>
-            <a:ext cx="4426560" cy="2090880"/>
+            <a:off x="5152680" y="1768680"/>
+            <a:ext cx="4426920" cy="2090880"/>
           </a:xfrm>
           <a:prstGeom prst="rect">
             <a:avLst/>
@@ -247,8 +247,8 @@
         </p:nvSpPr>
         <p:spPr>
           <a:xfrm>
-            <a:off x="5152320" y="4059000"/>
-            <a:ext cx="4426560" cy="2090880"/>
+            <a:off x="5152680" y="4058640"/>
+            <a:ext cx="4426920" cy="2090880"/>
           </a:xfrm>
           <a:prstGeom prst="rect">
             <a:avLst/>
@@ -273,8 +273,8 @@
         </p:nvSpPr>
         <p:spPr>
           <a:xfrm>
-            <a:off x="504000" y="4059000"/>
-            <a:ext cx="4426560" cy="2090880"/>
+            <a:off x="504000" y="4058640"/>
+            <a:ext cx="4426920" cy="2090880"/>
           </a:xfrm>
           <a:prstGeom prst="rect">
             <a:avLst/>
@@ -322,7 +322,7 @@
         <p:spPr>
           <a:xfrm>
             <a:off x="504000" y="301320"/>
-            <a:ext cx="9071280" cy="1261800"/>
+            <a:ext cx="9072000" cy="1261800"/>
           </a:xfrm>
           <a:prstGeom prst="rect">
             <a:avLst/>
@@ -348,8 +348,8 @@
         </p:nvSpPr>
         <p:spPr>
           <a:xfrm>
-            <a:off x="504000" y="1769040"/>
-            <a:ext cx="9071280" cy="4384080"/>
+            <a:off x="504000" y="1768680"/>
+            <a:ext cx="9072000" cy="4384080"/>
           </a:xfrm>
           <a:prstGeom prst="rect">
             <a:avLst/>
@@ -374,8 +374,8 @@
         </p:nvSpPr>
         <p:spPr>
           <a:xfrm>
-            <a:off x="504000" y="1769040"/>
-            <a:ext cx="9071280" cy="4384080"/>
+            <a:off x="504000" y="1768680"/>
+            <a:ext cx="9072000" cy="4384080"/>
           </a:xfrm>
           <a:prstGeom prst="rect">
             <a:avLst/>
@@ -400,7 +400,7 @@
         </p:blipFill>
         <p:spPr>
           <a:xfrm>
-            <a:off x="2292120" y="1769040"/>
+            <a:off x="2292480" y="1768680"/>
             <a:ext cx="5494680" cy="4384080"/>
           </a:xfrm>
           <a:prstGeom prst="rect">
@@ -423,7 +423,7 @@
         </p:blipFill>
         <p:spPr>
           <a:xfrm>
-            <a:off x="2292120" y="1769040"/>
+            <a:off x="2292480" y="1768680"/>
             <a:ext cx="5494680" cy="4384080"/>
           </a:xfrm>
           <a:prstGeom prst="rect">
@@ -491,7 +491,7 @@
         <p:spPr>
           <a:xfrm>
             <a:off x="504000" y="301320"/>
-            <a:ext cx="9071280" cy="1261800"/>
+            <a:ext cx="9072000" cy="1261800"/>
           </a:xfrm>
           <a:prstGeom prst="rect">
             <a:avLst/>
@@ -517,8 +517,8 @@
         </p:nvSpPr>
         <p:spPr>
           <a:xfrm>
-            <a:off x="504000" y="1769040"/>
-            <a:ext cx="9071280" cy="4384080"/>
+            <a:off x="504000" y="1768680"/>
+            <a:ext cx="9072000" cy="4384080"/>
           </a:xfrm>
           <a:prstGeom prst="rect">
             <a:avLst/>
@@ -567,7 +567,7 @@
         <p:spPr>
           <a:xfrm>
             <a:off x="504000" y="301320"/>
-            <a:ext cx="9071280" cy="1261800"/>
+            <a:ext cx="9072000" cy="1261800"/>
           </a:xfrm>
           <a:prstGeom prst="rect">
             <a:avLst/>
@@ -593,8 +593,8 @@
         </p:nvSpPr>
         <p:spPr>
           <a:xfrm>
-            <a:off x="504000" y="1769040"/>
-            <a:ext cx="9071280" cy="4384080"/>
+            <a:off x="504000" y="1768680"/>
+            <a:ext cx="9072000" cy="4384080"/>
           </a:xfrm>
           <a:prstGeom prst="rect">
             <a:avLst/>
@@ -642,7 +642,7 @@
         <p:spPr>
           <a:xfrm>
             <a:off x="504000" y="301320"/>
-            <a:ext cx="9071280" cy="1261800"/>
+            <a:ext cx="9072000" cy="1261800"/>
           </a:xfrm>
           <a:prstGeom prst="rect">
             <a:avLst/>
@@ -668,8 +668,8 @@
         </p:nvSpPr>
         <p:spPr>
           <a:xfrm>
-            <a:off x="504000" y="1769040"/>
-            <a:ext cx="4426560" cy="4384080"/>
+            <a:off x="504000" y="1768680"/>
+            <a:ext cx="4426920" cy="4384080"/>
           </a:xfrm>
           <a:prstGeom prst="rect">
             <a:avLst/>
@@ -694,8 +694,8 @@
         </p:nvSpPr>
         <p:spPr>
           <a:xfrm>
-            <a:off x="5152320" y="1769040"/>
-            <a:ext cx="4426560" cy="4384080"/>
+            <a:off x="5152680" y="1768680"/>
+            <a:ext cx="4426920" cy="4384080"/>
           </a:xfrm>
           <a:prstGeom prst="rect">
             <a:avLst/>
@@ -743,7 +743,7 @@
         <p:spPr>
           <a:xfrm>
             <a:off x="504000" y="301320"/>
-            <a:ext cx="9071280" cy="1261800"/>
+            <a:ext cx="9072000" cy="1261800"/>
           </a:xfrm>
           <a:prstGeom prst="rect">
             <a:avLst/>
@@ -792,7 +792,7 @@
         <p:spPr>
           <a:xfrm>
             <a:off x="504000" y="301320"/>
-            <a:ext cx="9071280" cy="5850360"/>
+            <a:ext cx="9072000" cy="5850360"/>
           </a:xfrm>
           <a:prstGeom prst="rect">
             <a:avLst/>
@@ -841,7 +841,7 @@
         <p:spPr>
           <a:xfrm>
             <a:off x="504000" y="301320"/>
-            <a:ext cx="9071280" cy="1261800"/>
+            <a:ext cx="9072000" cy="1261800"/>
           </a:xfrm>
           <a:prstGeom prst="rect">
             <a:avLst/>
@@ -867,8 +867,8 @@
         </p:nvSpPr>
         <p:spPr>
           <a:xfrm>
-            <a:off x="504000" y="1769040"/>
-            <a:ext cx="4426560" cy="2090880"/>
+            <a:off x="504000" y="1768680"/>
+            <a:ext cx="4426920" cy="2090880"/>
           </a:xfrm>
           <a:prstGeom prst="rect">
             <a:avLst/>
@@ -893,8 +893,8 @@
         </p:nvSpPr>
         <p:spPr>
           <a:xfrm>
-            <a:off x="504000" y="4059000"/>
-            <a:ext cx="4426560" cy="2090880"/>
+            <a:off x="504000" y="4058640"/>
+            <a:ext cx="4426920" cy="2090880"/>
           </a:xfrm>
           <a:prstGeom prst="rect">
             <a:avLst/>
@@ -919,8 +919,8 @@
         </p:nvSpPr>
         <p:spPr>
           <a:xfrm>
-            <a:off x="5152320" y="1769040"/>
-            <a:ext cx="4426560" cy="4384080"/>
+            <a:off x="5152680" y="1768680"/>
+            <a:ext cx="4426920" cy="4384080"/>
           </a:xfrm>
           <a:prstGeom prst="rect">
             <a:avLst/>
@@ -968,7 +968,7 @@
         <p:spPr>
           <a:xfrm>
             <a:off x="504000" y="301320"/>
-            <a:ext cx="9071280" cy="1261800"/>
+            <a:ext cx="9072000" cy="1261800"/>
           </a:xfrm>
           <a:prstGeom prst="rect">
             <a:avLst/>
@@ -994,8 +994,8 @@
         </p:nvSpPr>
         <p:spPr>
           <a:xfrm>
-            <a:off x="504000" y="1769040"/>
-            <a:ext cx="9071280" cy="4384080"/>
+            <a:off x="504000" y="1768680"/>
+            <a:ext cx="9072000" cy="4384080"/>
           </a:xfrm>
           <a:prstGeom prst="rect">
             <a:avLst/>
@@ -1044,7 +1044,7 @@
         <p:spPr>
           <a:xfrm>
             <a:off x="504000" y="301320"/>
-            <a:ext cx="9071280" cy="1261800"/>
+            <a:ext cx="9072000" cy="1261800"/>
           </a:xfrm>
           <a:prstGeom prst="rect">
             <a:avLst/>
@@ -1070,8 +1070,8 @@
         </p:nvSpPr>
         <p:spPr>
           <a:xfrm>
-            <a:off x="504000" y="1769040"/>
-            <a:ext cx="4426560" cy="4384080"/>
+            <a:off x="504000" y="1768680"/>
+            <a:ext cx="4426920" cy="4384080"/>
           </a:xfrm>
           <a:prstGeom prst="rect">
             <a:avLst/>
@@ -1096,8 +1096,8 @@
         </p:nvSpPr>
         <p:spPr>
           <a:xfrm>
-            <a:off x="5152320" y="1769040"/>
-            <a:ext cx="4426560" cy="2090880"/>
+            <a:off x="5152680" y="1768680"/>
+            <a:ext cx="4426920" cy="2090880"/>
           </a:xfrm>
           <a:prstGeom prst="rect">
             <a:avLst/>
@@ -1122,8 +1122,8 @@
         </p:nvSpPr>
         <p:spPr>
           <a:xfrm>
-            <a:off x="5152320" y="4059000"/>
-            <a:ext cx="4426560" cy="2090880"/>
+            <a:off x="5152680" y="4058640"/>
+            <a:ext cx="4426920" cy="2090880"/>
           </a:xfrm>
           <a:prstGeom prst="rect">
             <a:avLst/>
@@ -1171,7 +1171,7 @@
         <p:spPr>
           <a:xfrm>
             <a:off x="504000" y="301320"/>
-            <a:ext cx="9071280" cy="1261800"/>
+            <a:ext cx="9072000" cy="1261800"/>
           </a:xfrm>
           <a:prstGeom prst="rect">
             <a:avLst/>
@@ -1197,8 +1197,8 @@
         </p:nvSpPr>
         <p:spPr>
           <a:xfrm>
-            <a:off x="504000" y="1769040"/>
-            <a:ext cx="4426560" cy="2090880"/>
+            <a:off x="504000" y="1768680"/>
+            <a:ext cx="4426920" cy="2090880"/>
           </a:xfrm>
           <a:prstGeom prst="rect">
             <a:avLst/>
@@ -1223,8 +1223,8 @@
         </p:nvSpPr>
         <p:spPr>
           <a:xfrm>
-            <a:off x="5152320" y="1769040"/>
-            <a:ext cx="4426560" cy="2090880"/>
+            <a:off x="5152680" y="1768680"/>
+            <a:ext cx="4426920" cy="2090880"/>
           </a:xfrm>
           <a:prstGeom prst="rect">
             <a:avLst/>
@@ -1249,8 +1249,8 @@
         </p:nvSpPr>
         <p:spPr>
           <a:xfrm>
-            <a:off x="504000" y="4059000"/>
-            <a:ext cx="9071280" cy="2090880"/>
+            <a:off x="504000" y="4058640"/>
+            <a:ext cx="9072000" cy="2090880"/>
           </a:xfrm>
           <a:prstGeom prst="rect">
             <a:avLst/>
@@ -1298,7 +1298,7 @@
         <p:spPr>
           <a:xfrm>
             <a:off x="504000" y="301320"/>
-            <a:ext cx="9071280" cy="1261800"/>
+            <a:ext cx="9072000" cy="1261800"/>
           </a:xfrm>
           <a:prstGeom prst="rect">
             <a:avLst/>
@@ -1324,8 +1324,8 @@
         </p:nvSpPr>
         <p:spPr>
           <a:xfrm>
-            <a:off x="504000" y="1769040"/>
-            <a:ext cx="9071280" cy="2090880"/>
+            <a:off x="504000" y="1768680"/>
+            <a:ext cx="9072000" cy="2090880"/>
           </a:xfrm>
           <a:prstGeom prst="rect">
             <a:avLst/>
@@ -1350,8 +1350,8 @@
         </p:nvSpPr>
         <p:spPr>
           <a:xfrm>
-            <a:off x="504000" y="4059000"/>
-            <a:ext cx="9071280" cy="2090880"/>
+            <a:off x="504000" y="4058640"/>
+            <a:ext cx="9072000" cy="2090880"/>
           </a:xfrm>
           <a:prstGeom prst="rect">
             <a:avLst/>
@@ -1399,7 +1399,7 @@
         <p:spPr>
           <a:xfrm>
             <a:off x="504000" y="301320"/>
-            <a:ext cx="9071280" cy="1261800"/>
+            <a:ext cx="9072000" cy="1261800"/>
           </a:xfrm>
           <a:prstGeom prst="rect">
             <a:avLst/>
@@ -1425,8 +1425,8 @@
         </p:nvSpPr>
         <p:spPr>
           <a:xfrm>
-            <a:off x="504000" y="1769040"/>
-            <a:ext cx="4426560" cy="2090880"/>
+            <a:off x="504000" y="1768680"/>
+            <a:ext cx="4426920" cy="2090880"/>
           </a:xfrm>
           <a:prstGeom prst="rect">
             <a:avLst/>
@@ -1451,8 +1451,8 @@
         </p:nvSpPr>
         <p:spPr>
           <a:xfrm>
-            <a:off x="5152320" y="1769040"/>
-            <a:ext cx="4426560" cy="2090880"/>
+            <a:off x="5152680" y="1768680"/>
+            <a:ext cx="4426920" cy="2090880"/>
           </a:xfrm>
           <a:prstGeom prst="rect">
             <a:avLst/>
@@ -1477,8 +1477,8 @@
         </p:nvSpPr>
         <p:spPr>
           <a:xfrm>
-            <a:off x="5152320" y="4059000"/>
-            <a:ext cx="4426560" cy="2090880"/>
+            <a:off x="5152680" y="4058640"/>
+            <a:ext cx="4426920" cy="2090880"/>
           </a:xfrm>
           <a:prstGeom prst="rect">
             <a:avLst/>
@@ -1503,8 +1503,8 @@
         </p:nvSpPr>
         <p:spPr>
           <a:xfrm>
-            <a:off x="504000" y="4059000"/>
-            <a:ext cx="4426560" cy="2090880"/>
+            <a:off x="504000" y="4058640"/>
+            <a:ext cx="4426920" cy="2090880"/>
           </a:xfrm>
           <a:prstGeom prst="rect">
             <a:avLst/>
@@ -1552,7 +1552,7 @@
         <p:spPr>
           <a:xfrm>
             <a:off x="504000" y="301320"/>
-            <a:ext cx="9071280" cy="1261800"/>
+            <a:ext cx="9072000" cy="1261800"/>
           </a:xfrm>
           <a:prstGeom prst="rect">
             <a:avLst/>
@@ -1578,8 +1578,8 @@
         </p:nvSpPr>
         <p:spPr>
           <a:xfrm>
-            <a:off x="504000" y="1769040"/>
-            <a:ext cx="9071280" cy="4384080"/>
+            <a:off x="504000" y="1768680"/>
+            <a:ext cx="9072000" cy="4384080"/>
           </a:xfrm>
           <a:prstGeom prst="rect">
             <a:avLst/>
@@ -1604,8 +1604,8 @@
         </p:nvSpPr>
         <p:spPr>
           <a:xfrm>
-            <a:off x="504000" y="1769040"/>
-            <a:ext cx="9071280" cy="4384080"/>
+            <a:off x="504000" y="1768680"/>
+            <a:ext cx="9072000" cy="4384080"/>
           </a:xfrm>
           <a:prstGeom prst="rect">
             <a:avLst/>
@@ -1630,7 +1630,7 @@
         </p:blipFill>
         <p:spPr>
           <a:xfrm>
-            <a:off x="2292120" y="1769040"/>
+            <a:off x="2292480" y="1768680"/>
             <a:ext cx="5494680" cy="4384080"/>
           </a:xfrm>
           <a:prstGeom prst="rect">
@@ -1653,7 +1653,7 @@
         </p:blipFill>
         <p:spPr>
           <a:xfrm>
-            <a:off x="2292120" y="1769040"/>
+            <a:off x="2292480" y="1768680"/>
             <a:ext cx="5494680" cy="4384080"/>
           </a:xfrm>
           <a:prstGeom prst="rect">
@@ -1699,7 +1699,7 @@
         <p:spPr>
           <a:xfrm>
             <a:off x="504000" y="301320"/>
-            <a:ext cx="9071280" cy="1261800"/>
+            <a:ext cx="9072000" cy="1261800"/>
           </a:xfrm>
           <a:prstGeom prst="rect">
             <a:avLst/>
@@ -1725,8 +1725,8 @@
         </p:nvSpPr>
         <p:spPr>
           <a:xfrm>
-            <a:off x="504000" y="1769040"/>
-            <a:ext cx="9071280" cy="4384080"/>
+            <a:off x="504000" y="1768680"/>
+            <a:ext cx="9072000" cy="4384080"/>
           </a:xfrm>
           <a:prstGeom prst="rect">
             <a:avLst/>
@@ -1774,7 +1774,7 @@
         <p:spPr>
           <a:xfrm>
             <a:off x="504000" y="301320"/>
-            <a:ext cx="9071280" cy="1261800"/>
+            <a:ext cx="9072000" cy="1261800"/>
           </a:xfrm>
           <a:prstGeom prst="rect">
             <a:avLst/>
@@ -1800,8 +1800,8 @@
         </p:nvSpPr>
         <p:spPr>
           <a:xfrm>
-            <a:off x="504000" y="1769040"/>
-            <a:ext cx="4426560" cy="4384080"/>
+            <a:off x="504000" y="1768680"/>
+            <a:ext cx="4426920" cy="4384080"/>
           </a:xfrm>
           <a:prstGeom prst="rect">
             <a:avLst/>
@@ -1826,8 +1826,8 @@
         </p:nvSpPr>
         <p:spPr>
           <a:xfrm>
-            <a:off x="5152320" y="1769040"/>
-            <a:ext cx="4426560" cy="4384080"/>
+            <a:off x="5152680" y="1768680"/>
+            <a:ext cx="4426920" cy="4384080"/>
           </a:xfrm>
           <a:prstGeom prst="rect">
             <a:avLst/>
@@ -1875,7 +1875,7 @@
         <p:spPr>
           <a:xfrm>
             <a:off x="504000" y="301320"/>
-            <a:ext cx="9071280" cy="1261800"/>
+            <a:ext cx="9072000" cy="1261800"/>
           </a:xfrm>
           <a:prstGeom prst="rect">
             <a:avLst/>
@@ -1924,7 +1924,7 @@
         <p:spPr>
           <a:xfrm>
             <a:off x="504000" y="301320"/>
-            <a:ext cx="9071280" cy="5850360"/>
+            <a:ext cx="9072000" cy="5850360"/>
           </a:xfrm>
           <a:prstGeom prst="rect">
             <a:avLst/>
@@ -1973,7 +1973,7 @@
         <p:spPr>
           <a:xfrm>
             <a:off x="504000" y="301320"/>
-            <a:ext cx="9071280" cy="1261800"/>
+            <a:ext cx="9072000" cy="1261800"/>
           </a:xfrm>
           <a:prstGeom prst="rect">
             <a:avLst/>
@@ -1999,8 +1999,8 @@
         </p:nvSpPr>
         <p:spPr>
           <a:xfrm>
-            <a:off x="504000" y="1769040"/>
-            <a:ext cx="4426560" cy="2090880"/>
+            <a:off x="504000" y="1768680"/>
+            <a:ext cx="4426920" cy="2090880"/>
           </a:xfrm>
           <a:prstGeom prst="rect">
             <a:avLst/>
@@ -2025,8 +2025,8 @@
         </p:nvSpPr>
         <p:spPr>
           <a:xfrm>
-            <a:off x="504000" y="4059000"/>
-            <a:ext cx="4426560" cy="2090880"/>
+            <a:off x="504000" y="4058640"/>
+            <a:ext cx="4426920" cy="2090880"/>
           </a:xfrm>
           <a:prstGeom prst="rect">
             <a:avLst/>
@@ -2051,8 +2051,8 @@
         </p:nvSpPr>
         <p:spPr>
           <a:xfrm>
-            <a:off x="5152320" y="1769040"/>
-            <a:ext cx="4426560" cy="4384080"/>
+            <a:off x="5152680" y="1768680"/>
+            <a:ext cx="4426920" cy="4384080"/>
           </a:xfrm>
           <a:prstGeom prst="rect">
             <a:avLst/>
@@ -2100,7 +2100,7 @@
         <p:spPr>
           <a:xfrm>
             <a:off x="504000" y="301320"/>
-            <a:ext cx="9071280" cy="1261800"/>
+            <a:ext cx="9072000" cy="1261800"/>
           </a:xfrm>
           <a:prstGeom prst="rect">
             <a:avLst/>
@@ -2126,8 +2126,8 @@
         </p:nvSpPr>
         <p:spPr>
           <a:xfrm>
-            <a:off x="504000" y="1769040"/>
-            <a:ext cx="4426560" cy="4384080"/>
+            <a:off x="504000" y="1768680"/>
+            <a:ext cx="4426920" cy="4384080"/>
           </a:xfrm>
           <a:prstGeom prst="rect">
             <a:avLst/>
@@ -2152,8 +2152,8 @@
         </p:nvSpPr>
         <p:spPr>
           <a:xfrm>
-            <a:off x="5152320" y="1769040"/>
-            <a:ext cx="4426560" cy="2090880"/>
+            <a:off x="5152680" y="1768680"/>
+            <a:ext cx="4426920" cy="2090880"/>
           </a:xfrm>
           <a:prstGeom prst="rect">
             <a:avLst/>
@@ -2178,8 +2178,8 @@
         </p:nvSpPr>
         <p:spPr>
           <a:xfrm>
-            <a:off x="5152320" y="4059000"/>
-            <a:ext cx="4426560" cy="2090880"/>
+            <a:off x="5152680" y="4058640"/>
+            <a:ext cx="4426920" cy="2090880"/>
           </a:xfrm>
           <a:prstGeom prst="rect">
             <a:avLst/>
@@ -2227,7 +2227,7 @@
         <p:spPr>
           <a:xfrm>
             <a:off x="504000" y="301320"/>
-            <a:ext cx="9071280" cy="1261800"/>
+            <a:ext cx="9072000" cy="1261800"/>
           </a:xfrm>
           <a:prstGeom prst="rect">
             <a:avLst/>
@@ -2253,8 +2253,8 @@
         </p:nvSpPr>
         <p:spPr>
           <a:xfrm>
-            <a:off x="504000" y="1769040"/>
-            <a:ext cx="4426560" cy="2090880"/>
+            <a:off x="504000" y="1768680"/>
+            <a:ext cx="4426920" cy="2090880"/>
           </a:xfrm>
           <a:prstGeom prst="rect">
             <a:avLst/>
@@ -2279,8 +2279,8 @@
         </p:nvSpPr>
         <p:spPr>
           <a:xfrm>
-            <a:off x="5152320" y="1769040"/>
-            <a:ext cx="4426560" cy="2090880"/>
+            <a:off x="5152680" y="1768680"/>
+            <a:ext cx="4426920" cy="2090880"/>
           </a:xfrm>
           <a:prstGeom prst="rect">
             <a:avLst/>
@@ -2305,8 +2305,8 @@
         </p:nvSpPr>
         <p:spPr>
           <a:xfrm>
-            <a:off x="504000" y="4059000"/>
-            <a:ext cx="9071280" cy="2090880"/>
+            <a:off x="504000" y="4058640"/>
+            <a:ext cx="9072000" cy="2090880"/>
           </a:xfrm>
           <a:prstGeom prst="rect">
             <a:avLst/>
@@ -2354,7 +2354,7 @@
         <p:spPr>
           <a:xfrm>
             <a:off x="504000" y="301320"/>
-            <a:ext cx="9071280" cy="1261800"/>
+            <a:ext cx="9070920" cy="1261440"/>
           </a:xfrm>
           <a:prstGeom prst="rect">
             <a:avLst/>
@@ -2385,8 +2385,8 @@
         </p:nvSpPr>
         <p:spPr>
           <a:xfrm>
-            <a:off x="504000" y="1768680"/>
-            <a:ext cx="9072000" cy="4384080"/>
+            <a:off x="504000" y="1769040"/>
+            <a:ext cx="9070920" cy="4383720"/>
           </a:xfrm>
           <a:prstGeom prst="rect">
             <a:avLst/>
@@ -2401,7 +2401,7 @@
               <a:buChar char=""/>
             </a:pPr>
             <a:r>
-              <a:rPr lang="en-US" sz="3200">
+              <a:rPr lang="en-US">
                 <a:latin typeface="Arial"/>
               </a:rPr>
               <a:t>Click to edit the outline text format</a:t>
@@ -2415,7 +2415,7 @@
               <a:buChar char=""/>
             </a:pPr>
             <a:r>
-              <a:rPr lang="en-US" sz="2800">
+              <a:rPr lang="en-US">
                 <a:latin typeface="Arial"/>
               </a:rPr>
               <a:t>Second Outline Level</a:t>
@@ -2429,7 +2429,7 @@
               <a:buChar char=""/>
             </a:pPr>
             <a:r>
-              <a:rPr lang="en-US" sz="2400">
+              <a:rPr lang="en-US">
                 <a:latin typeface="Arial"/>
               </a:rPr>
               <a:t>Third Outline Level</a:t>
@@ -2443,7 +2443,7 @@
               <a:buChar char=""/>
             </a:pPr>
             <a:r>
-              <a:rPr lang="en-US" sz="2000">
+              <a:rPr lang="en-US">
                 <a:latin typeface="Arial"/>
               </a:rPr>
               <a:t>Fourth Outline Level</a:t>
@@ -2457,7 +2457,7 @@
               <a:buChar char=""/>
             </a:pPr>
             <a:r>
-              <a:rPr lang="en-US" sz="2000">
+              <a:rPr lang="en-US">
                 <a:latin typeface="Arial"/>
               </a:rPr>
               <a:t>Fifth Outline Level</a:t>
@@ -2471,7 +2471,7 @@
               <a:buChar char=""/>
             </a:pPr>
             <a:r>
-              <a:rPr lang="en-US" sz="2000">
+              <a:rPr lang="en-US">
                 <a:latin typeface="Arial"/>
               </a:rPr>
               <a:t>Sixth Outline Level</a:t>
@@ -2485,7 +2485,7 @@
               <a:buChar char=""/>
             </a:pPr>
             <a:r>
-              <a:rPr lang="en-US" sz="2000">
+              <a:rPr lang="en-US">
                 <a:latin typeface="Arial"/>
               </a:rPr>
               <a:t>Seventh Outline Level</a:t>
@@ -2544,7 +2544,7 @@
         <p:spPr>
           <a:xfrm>
             <a:off x="504000" y="301320"/>
-            <a:ext cx="9071280" cy="1261800"/>
+            <a:ext cx="9072000" cy="1261800"/>
           </a:xfrm>
           <a:prstGeom prst="rect">
             <a:avLst/>
@@ -2553,8 +2553,9 @@
         <p:txBody>
           <a:bodyPr lIns="0" rIns="0" tIns="0" bIns="0" anchor="ctr"/>
           <a:p>
+            <a:pPr algn="ctr"/>
             <a:r>
-              <a:rPr lang="en-US">
+              <a:rPr lang="en-US" sz="4400">
                 <a:latin typeface="Arial"/>
               </a:rPr>
               <a:t>Click to edit the title text format</a:t>
@@ -2575,8 +2576,8 @@
         </p:nvSpPr>
         <p:spPr>
           <a:xfrm>
-            <a:off x="504000" y="1769040"/>
-            <a:ext cx="9071280" cy="4384080"/>
+            <a:off x="504000" y="1768680"/>
+            <a:ext cx="9072000" cy="4384080"/>
           </a:xfrm>
           <a:prstGeom prst="rect">
             <a:avLst/>
@@ -2591,7 +2592,7 @@
               <a:buChar char=""/>
             </a:pPr>
             <a:r>
-              <a:rPr lang="en-US">
+              <a:rPr lang="en-US" sz="3200">
                 <a:latin typeface="Arial"/>
               </a:rPr>
               <a:t>Click to edit the outline text format</a:t>
@@ -2605,7 +2606,7 @@
               <a:buChar char=""/>
             </a:pPr>
             <a:r>
-              <a:rPr lang="en-US">
+              <a:rPr lang="en-US" sz="2800">
                 <a:latin typeface="Arial"/>
               </a:rPr>
               <a:t>Second Outline Level</a:t>
@@ -2619,7 +2620,7 @@
               <a:buChar char=""/>
             </a:pPr>
             <a:r>
-              <a:rPr lang="en-US">
+              <a:rPr lang="en-US" sz="2400">
                 <a:latin typeface="Arial"/>
               </a:rPr>
               <a:t>Third Outline Level</a:t>
@@ -2633,7 +2634,7 @@
               <a:buChar char=""/>
             </a:pPr>
             <a:r>
-              <a:rPr lang="en-US">
+              <a:rPr lang="en-US" sz="2000">
                 <a:latin typeface="Arial"/>
               </a:rPr>
               <a:t>Fourth Outline Level</a:t>
@@ -2647,7 +2648,7 @@
               <a:buChar char=""/>
             </a:pPr>
             <a:r>
-              <a:rPr lang="en-US">
+              <a:rPr lang="en-US" sz="2000">
                 <a:latin typeface="Arial"/>
               </a:rPr>
               <a:t>Fifth Outline Level</a:t>
@@ -2661,7 +2662,7 @@
               <a:buChar char=""/>
             </a:pPr>
             <a:r>
-              <a:rPr lang="en-US">
+              <a:rPr lang="en-US" sz="2000">
                 <a:latin typeface="Arial"/>
               </a:rPr>
               <a:t>Sixth Outline Level</a:t>
@@ -2675,7 +2676,7 @@
               <a:buChar char=""/>
             </a:pPr>
             <a:r>
-              <a:rPr lang="en-US">
+              <a:rPr lang="en-US" sz="2000">
                 <a:latin typeface="Arial"/>
               </a:rPr>
               <a:t>Seventh Outline Level</a:t>
@@ -2730,7 +2731,7 @@
         <p:spPr>
           <a:xfrm>
             <a:off x="504000" y="301320"/>
-            <a:ext cx="9071280" cy="1261800"/>
+            <a:ext cx="9070920" cy="1261440"/>
           </a:xfrm>
           <a:prstGeom prst="rect">
             <a:avLst/>
@@ -2756,7 +2757,7 @@
         <p:spPr>
           <a:xfrm>
             <a:off x="504000" y="1769040"/>
-            <a:ext cx="9071280" cy="4384080"/>
+            <a:ext cx="9070920" cy="4383720"/>
           </a:xfrm>
           <a:prstGeom prst="rect">
             <a:avLst/>
@@ -2775,14 +2776,14 @@
       </p:sp>
       <p:sp>
         <p:nvSpPr>
-          <p:cNvPr id="74" name="TextShape 3"/>
-          <p:cNvSpPr txBox="1"/>
+          <p:cNvPr id="74" name="CustomShape 3"/>
+          <p:cNvSpPr/>
           <p:nvPr/>
         </p:nvSpPr>
         <p:spPr>
           <a:xfrm>
             <a:off x="504000" y="301320"/>
-            <a:ext cx="9071280" cy="1261800"/>
+            <a:ext cx="9070920" cy="1261440"/>
           </a:xfrm>
           <a:prstGeom prst="rect">
             <a:avLst/>
@@ -2792,12 +2793,25 @@
             <a:noFill/>
           </a:ln>
         </p:spPr>
+        <p:style>
+          <a:lnRef idx="0"/>
+          <a:fillRef idx="0"/>
+          <a:effectRef idx="0"/>
+          <a:fontRef idx="minor"/>
+        </p:style>
         <p:txBody>
           <a:bodyPr lIns="0" rIns="0" tIns="0" bIns="0" anchor="ctr"/>
           <a:p>
-            <a:pPr algn="ctr"/>
+            <a:pPr algn="ctr">
+              <a:lnSpc>
+                <a:spcPct val="100000"/>
+              </a:lnSpc>
+            </a:pPr>
             <a:r>
-              <a:rPr lang="en-US" sz="4400">
+              <a:rPr lang="en-US" sz="4400" strike="noStrike">
+                <a:solidFill>
+                  <a:srgbClr val="000099"/>
+                </a:solidFill>
                 <a:latin typeface="Arial"/>
               </a:rPr>
               <a:t>Leiden Post It</a:t>
@@ -2808,14 +2822,14 @@
       </p:sp>
       <p:sp>
         <p:nvSpPr>
-          <p:cNvPr id="75" name="TextShape 4"/>
-          <p:cNvSpPr txBox="1"/>
+          <p:cNvPr id="75" name="CustomShape 4"/>
+          <p:cNvSpPr/>
           <p:nvPr/>
         </p:nvSpPr>
         <p:spPr>
           <a:xfrm>
             <a:off x="504000" y="1768680"/>
-            <a:ext cx="9072000" cy="4384080"/>
+            <a:ext cx="9071640" cy="4383720"/>
           </a:xfrm>
           <a:prstGeom prst="rect">
             <a:avLst/>
@@ -2825,12 +2839,12 @@
             <a:noFill/>
           </a:ln>
         </p:spPr>
-        <p:txBody>
-          <a:bodyPr lIns="0" rIns="0" tIns="0" bIns="0"/>
-          <a:p>
-            <a:endParaRPr/>
-          </a:p>
-        </p:txBody>
+        <p:style>
+          <a:lnRef idx="0"/>
+          <a:fillRef idx="0"/>
+          <a:effectRef idx="0"/>
+          <a:fontRef idx="minor"/>
+        </p:style>
       </p:sp>
     </p:spTree>
   </p:cSld>
@@ -2890,7 +2904,7 @@
         <p:spPr>
           <a:xfrm>
             <a:off x="504000" y="301320"/>
-            <a:ext cx="9071280" cy="1261800"/>
+            <a:ext cx="9070920" cy="1261440"/>
           </a:xfrm>
           <a:prstGeom prst="rect">
             <a:avLst/>
@@ -2916,7 +2930,11 @@
             </a:pPr>
             <a:r>
               <a:rPr lang="en-US" sz="4400" strike="noStrike">
+                <a:solidFill>
+                  <a:srgbClr val="000099"/>
+                </a:solidFill>
                 <a:latin typeface="Arial"/>
+                <a:ea typeface="DejaVu Sans"/>
               </a:rPr>
               <a:t>Content</a:t>
             </a:r>
@@ -2933,7 +2951,7 @@
         <p:spPr>
           <a:xfrm>
             <a:off x="504000" y="1769040"/>
-            <a:ext cx="9071280" cy="4384080"/>
+            <a:ext cx="9070920" cy="4383720"/>
           </a:xfrm>
           <a:prstGeom prst="rect">
             <a:avLst/>
@@ -2962,7 +2980,11 @@
             </a:pPr>
             <a:r>
               <a:rPr lang="en-US" sz="3200" strike="noStrike">
+                <a:solidFill>
+                  <a:srgbClr val="000099"/>
+                </a:solidFill>
                 <a:latin typeface="Arial"/>
+                <a:ea typeface="DejaVu Sans"/>
               </a:rPr>
               <a:t>Pictures, stories and other posts</a:t>
             </a:r>
@@ -2979,7 +3001,11 @@
             </a:pPr>
             <a:r>
               <a:rPr lang="en-US" sz="3200" strike="noStrike">
+                <a:solidFill>
+                  <a:srgbClr val="000099"/>
+                </a:solidFill>
                 <a:latin typeface="Arial"/>
+                <a:ea typeface="DejaVu Sans"/>
               </a:rPr>
               <a:t>Students in Leiden</a:t>
             </a:r>
@@ -3045,7 +3071,7 @@
         <p:spPr>
           <a:xfrm>
             <a:off x="504000" y="301320"/>
-            <a:ext cx="9071280" cy="1261800"/>
+            <a:ext cx="9070920" cy="1261440"/>
           </a:xfrm>
           <a:prstGeom prst="rect">
             <a:avLst/>
@@ -3071,9 +3097,13 @@
             </a:pPr>
             <a:r>
               <a:rPr lang="en-US" sz="4400" strike="noStrike">
+                <a:solidFill>
+                  <a:srgbClr val="330099"/>
+                </a:solidFill>
                 <a:latin typeface="Arial"/>
+                <a:ea typeface="DejaVu Sans"/>
               </a:rPr>
-              <a:t>Similarity previous work</a:t>
+              <a:t>Similar Work</a:t>
             </a:r>
             <a:endParaRPr/>
           </a:p>
@@ -3088,7 +3118,7 @@
         <p:spPr>
           <a:xfrm>
             <a:off x="504000" y="1769040"/>
-            <a:ext cx="9071280" cy="4384080"/>
+            <a:ext cx="9070920" cy="4383720"/>
           </a:xfrm>
           <a:prstGeom prst="rect">
             <a:avLst/>
@@ -3117,7 +3147,11 @@
             </a:pPr>
             <a:r>
               <a:rPr lang="en-US" sz="3200" strike="noStrike">
+                <a:solidFill>
+                  <a:srgbClr val="000099"/>
+                </a:solidFill>
                 <a:latin typeface="Arial"/>
+                <a:ea typeface="DejaVu Sans"/>
               </a:rPr>
               <a:t>9gag, facebook, instagram and Secrets</a:t>
             </a:r>
@@ -3134,7 +3168,11 @@
             </a:pPr>
             <a:r>
               <a:rPr lang="en-US" sz="3200" strike="noStrike">
+                <a:solidFill>
+                  <a:srgbClr val="000099"/>
+                </a:solidFill>
                 <a:latin typeface="Arial"/>
+                <a:ea typeface="DejaVu Sans"/>
               </a:rPr>
               <a:t>Aimed at students in Leiden</a:t>
             </a:r>
@@ -3200,7 +3238,7 @@
         <p:spPr>
           <a:xfrm>
             <a:off x="504000" y="301320"/>
-            <a:ext cx="9071280" cy="1261800"/>
+            <a:ext cx="9070920" cy="1261440"/>
           </a:xfrm>
           <a:prstGeom prst="rect">
             <a:avLst/>
@@ -3226,7 +3264,11 @@
             </a:pPr>
             <a:r>
               <a:rPr lang="en-US" sz="4400" strike="noStrike">
+                <a:solidFill>
+                  <a:srgbClr val="000099"/>
+                </a:solidFill>
                 <a:latin typeface="Arial"/>
+                <a:ea typeface="DejaVu Sans"/>
               </a:rPr>
               <a:t>Components</a:t>
             </a:r>
@@ -3242,8 +3284,8 @@
         </p:nvSpPr>
         <p:spPr>
           <a:xfrm>
-            <a:off x="504000" y="1769040"/>
-            <a:ext cx="9071280" cy="4384080"/>
+            <a:off x="548640" y="1769040"/>
+            <a:ext cx="9070920" cy="4383720"/>
           </a:xfrm>
           <a:prstGeom prst="rect">
             <a:avLst/>
@@ -3272,7 +3314,11 @@
             </a:pPr>
             <a:r>
               <a:rPr lang="en-US" sz="3200" strike="noStrike">
+                <a:solidFill>
+                  <a:srgbClr val="000099"/>
+                </a:solidFill>
                 <a:latin typeface="Arial"/>
+                <a:ea typeface="DejaVu Sans"/>
               </a:rPr>
               <a:t>Account system</a:t>
             </a:r>
@@ -3289,7 +3335,11 @@
             </a:pPr>
             <a:r>
               <a:rPr lang="en-US" sz="3200" strike="noStrike">
+                <a:solidFill>
+                  <a:srgbClr val="000099"/>
+                </a:solidFill>
                 <a:latin typeface="Arial"/>
+                <a:ea typeface="DejaVu Sans"/>
               </a:rPr>
               <a:t>Upload system</a:t>
             </a:r>
@@ -3306,7 +3356,11 @@
             </a:pPr>
             <a:r>
               <a:rPr lang="en-US" sz="3200" strike="noStrike">
+                <a:solidFill>
+                  <a:srgbClr val="000099"/>
+                </a:solidFill>
                 <a:latin typeface="Arial"/>
+                <a:ea typeface="DejaVu Sans"/>
               </a:rPr>
               <a:t>Search function</a:t>
             </a:r>
@@ -3323,7 +3377,11 @@
             </a:pPr>
             <a:r>
               <a:rPr lang="en-US" sz="3200" strike="noStrike">
+                <a:solidFill>
+                  <a:srgbClr val="000099"/>
+                </a:solidFill>
                 <a:latin typeface="Arial"/>
+                <a:ea typeface="DejaVu Sans"/>
               </a:rPr>
               <a:t>Page with the newest content</a:t>
             </a:r>
@@ -3340,7 +3398,11 @@
             </a:pPr>
             <a:r>
               <a:rPr lang="en-US" sz="3200" strike="noStrike">
+                <a:solidFill>
+                  <a:srgbClr val="000099"/>
+                </a:solidFill>
                 <a:latin typeface="Arial"/>
+                <a:ea typeface="DejaVu Sans"/>
               </a:rPr>
               <a:t>Pages with personal content</a:t>
             </a:r>

--- a/Presentation1.pptx
+++ b/Presentation1.pptx
@@ -2354,7 +2354,7 @@
         <p:spPr>
           <a:xfrm>
             <a:off x="504000" y="301320"/>
-            <a:ext cx="9070920" cy="1261440"/>
+            <a:ext cx="9072000" cy="1261800"/>
           </a:xfrm>
           <a:prstGeom prst="rect">
             <a:avLst/>
@@ -2363,8 +2363,9 @@
         <p:txBody>
           <a:bodyPr lIns="0" rIns="0" tIns="0" bIns="0" anchor="ctr"/>
           <a:p>
+            <a:pPr algn="ctr"/>
             <a:r>
-              <a:rPr lang="en-US">
+              <a:rPr lang="en-US" sz="4400">
                 <a:latin typeface="Arial"/>
               </a:rPr>
               <a:t>Click to edit the title text format</a:t>
@@ -2385,8 +2386,8 @@
         </p:nvSpPr>
         <p:spPr>
           <a:xfrm>
-            <a:off x="504000" y="1769040"/>
-            <a:ext cx="9070920" cy="4383720"/>
+            <a:off x="504000" y="1768680"/>
+            <a:ext cx="9072000" cy="4384080"/>
           </a:xfrm>
           <a:prstGeom prst="rect">
             <a:avLst/>
@@ -2401,7 +2402,7 @@
               <a:buChar char=""/>
             </a:pPr>
             <a:r>
-              <a:rPr lang="en-US">
+              <a:rPr lang="en-US" sz="3200">
                 <a:latin typeface="Arial"/>
               </a:rPr>
               <a:t>Click to edit the outline text format</a:t>
@@ -2415,7 +2416,7 @@
               <a:buChar char=""/>
             </a:pPr>
             <a:r>
-              <a:rPr lang="en-US">
+              <a:rPr lang="en-US" sz="2800">
                 <a:latin typeface="Arial"/>
               </a:rPr>
               <a:t>Second Outline Level</a:t>
@@ -2429,7 +2430,7 @@
               <a:buChar char=""/>
             </a:pPr>
             <a:r>
-              <a:rPr lang="en-US">
+              <a:rPr lang="en-US" sz="2400">
                 <a:latin typeface="Arial"/>
               </a:rPr>
               <a:t>Third Outline Level</a:t>
@@ -2443,7 +2444,7 @@
               <a:buChar char=""/>
             </a:pPr>
             <a:r>
-              <a:rPr lang="en-US">
+              <a:rPr lang="en-US" sz="2000">
                 <a:latin typeface="Arial"/>
               </a:rPr>
               <a:t>Fourth Outline Level</a:t>
@@ -2457,7 +2458,7 @@
               <a:buChar char=""/>
             </a:pPr>
             <a:r>
-              <a:rPr lang="en-US">
+              <a:rPr lang="en-US" sz="2000">
                 <a:latin typeface="Arial"/>
               </a:rPr>
               <a:t>Fifth Outline Level</a:t>
@@ -2471,7 +2472,7 @@
               <a:buChar char=""/>
             </a:pPr>
             <a:r>
-              <a:rPr lang="en-US">
+              <a:rPr lang="en-US" sz="2000">
                 <a:latin typeface="Arial"/>
               </a:rPr>
               <a:t>Sixth Outline Level</a:t>
@@ -2485,7 +2486,7 @@
               <a:buChar char=""/>
             </a:pPr>
             <a:r>
-              <a:rPr lang="en-US">
+              <a:rPr lang="en-US" sz="2000">
                 <a:latin typeface="Arial"/>
               </a:rPr>
               <a:t>Seventh Outline Level</a:t>
@@ -2731,7 +2732,7 @@
         <p:spPr>
           <a:xfrm>
             <a:off x="504000" y="301320"/>
-            <a:ext cx="9070920" cy="1261440"/>
+            <a:ext cx="9070560" cy="1261080"/>
           </a:xfrm>
           <a:prstGeom prst="rect">
             <a:avLst/>
@@ -2757,7 +2758,7 @@
         <p:spPr>
           <a:xfrm>
             <a:off x="504000" y="1769040"/>
-            <a:ext cx="9070920" cy="4383720"/>
+            <a:ext cx="9070560" cy="4383360"/>
           </a:xfrm>
           <a:prstGeom prst="rect">
             <a:avLst/>
@@ -2774,16 +2775,39 @@
           <a:fontRef idx="minor"/>
         </p:style>
       </p:sp>
-      <p:sp>
-        <p:nvSpPr>
-          <p:cNvPr id="74" name="CustomShape 3"/>
+      <p:pic>
+        <p:nvPicPr>
+          <p:cNvPr id="74" name="" descr=""/>
+          <p:cNvPicPr/>
+          <p:nvPr/>
+        </p:nvPicPr>
+        <p:blipFill>
+          <a:blip r:embed="rId1"/>
+          <a:stretch/>
+        </p:blipFill>
+        <p:spPr>
+          <a:xfrm>
+            <a:off x="0" y="-6840"/>
+            <a:ext cx="10080720" cy="7559280"/>
+          </a:xfrm>
+          <a:prstGeom prst="rect">
+            <a:avLst/>
+          </a:prstGeom>
+          <a:ln>
+            <a:noFill/>
+          </a:ln>
+        </p:spPr>
+      </p:pic>
+      <p:sp>
+        <p:nvSpPr>
+          <p:cNvPr id="75" name="CustomShape 3"/>
           <p:cNvSpPr/>
           <p:nvPr/>
         </p:nvSpPr>
         <p:spPr>
           <a:xfrm>
             <a:off x="504000" y="301320"/>
-            <a:ext cx="9070920" cy="1261440"/>
+            <a:ext cx="9070560" cy="1261080"/>
           </a:xfrm>
           <a:prstGeom prst="rect">
             <a:avLst/>
@@ -2813,6 +2837,7 @@
                   <a:srgbClr val="000099"/>
                 </a:solidFill>
                 <a:latin typeface="Arial"/>
+                <a:ea typeface="DejaVu Sans"/>
               </a:rPr>
               <a:t>Leiden Post It</a:t>
             </a:r>
@@ -2822,14 +2847,14 @@
       </p:sp>
       <p:sp>
         <p:nvSpPr>
-          <p:cNvPr id="75" name="CustomShape 4"/>
+          <p:cNvPr id="76" name="CustomShape 4"/>
           <p:cNvSpPr/>
           <p:nvPr/>
         </p:nvSpPr>
         <p:spPr>
           <a:xfrm>
             <a:off x="504000" y="1768680"/>
-            <a:ext cx="9071640" cy="4383720"/>
+            <a:ext cx="9071280" cy="4383360"/>
           </a:xfrm>
           <a:prstGeom prst="rect">
             <a:avLst/>
@@ -2897,14 +2922,14 @@
       </p:grpSpPr>
       <p:sp>
         <p:nvSpPr>
-          <p:cNvPr id="76" name="CustomShape 1"/>
+          <p:cNvPr id="77" name="CustomShape 1"/>
           <p:cNvSpPr/>
           <p:nvPr/>
         </p:nvSpPr>
         <p:spPr>
           <a:xfrm>
             <a:off x="504000" y="301320"/>
-            <a:ext cx="9070920" cy="1261440"/>
+            <a:ext cx="9070560" cy="1261080"/>
           </a:xfrm>
           <a:prstGeom prst="rect">
             <a:avLst/>
@@ -2944,14 +2969,14 @@
       </p:sp>
       <p:sp>
         <p:nvSpPr>
-          <p:cNvPr id="77" name="CustomShape 2"/>
+          <p:cNvPr id="78" name="CustomShape 2"/>
           <p:cNvSpPr/>
           <p:nvPr/>
         </p:nvSpPr>
         <p:spPr>
           <a:xfrm>
             <a:off x="504000" y="1769040"/>
-            <a:ext cx="9070920" cy="4383720"/>
+            <a:ext cx="9070560" cy="4383360"/>
           </a:xfrm>
           <a:prstGeom prst="rect">
             <a:avLst/>
@@ -3064,14 +3089,14 @@
       </p:grpSpPr>
       <p:sp>
         <p:nvSpPr>
-          <p:cNvPr id="78" name="CustomShape 1"/>
+          <p:cNvPr id="79" name="CustomShape 1"/>
           <p:cNvSpPr/>
           <p:nvPr/>
         </p:nvSpPr>
         <p:spPr>
           <a:xfrm>
             <a:off x="504000" y="301320"/>
-            <a:ext cx="9070920" cy="1261440"/>
+            <a:ext cx="9070560" cy="1261080"/>
           </a:xfrm>
           <a:prstGeom prst="rect">
             <a:avLst/>
@@ -3111,14 +3136,14 @@
       </p:sp>
       <p:sp>
         <p:nvSpPr>
-          <p:cNvPr id="79" name="CustomShape 2"/>
+          <p:cNvPr id="80" name="CustomShape 2"/>
           <p:cNvSpPr/>
           <p:nvPr/>
         </p:nvSpPr>
         <p:spPr>
           <a:xfrm>
             <a:off x="504000" y="1769040"/>
-            <a:ext cx="9070920" cy="4383720"/>
+            <a:ext cx="9070560" cy="4383360"/>
           </a:xfrm>
           <a:prstGeom prst="rect">
             <a:avLst/>
@@ -3231,14 +3256,14 @@
       </p:grpSpPr>
       <p:sp>
         <p:nvSpPr>
-          <p:cNvPr id="80" name="CustomShape 1"/>
+          <p:cNvPr id="81" name="CustomShape 1"/>
           <p:cNvSpPr/>
           <p:nvPr/>
         </p:nvSpPr>
         <p:spPr>
           <a:xfrm>
             <a:off x="504000" y="301320"/>
-            <a:ext cx="9070920" cy="1261440"/>
+            <a:ext cx="9070560" cy="1261080"/>
           </a:xfrm>
           <a:prstGeom prst="rect">
             <a:avLst/>
@@ -3278,14 +3303,14 @@
       </p:sp>
       <p:sp>
         <p:nvSpPr>
-          <p:cNvPr id="81" name="CustomShape 2"/>
+          <p:cNvPr id="82" name="CustomShape 2"/>
           <p:cNvSpPr/>
           <p:nvPr/>
         </p:nvSpPr>
         <p:spPr>
           <a:xfrm>
             <a:off x="548640" y="1769040"/>
-            <a:ext cx="9070920" cy="4383720"/>
+            <a:ext cx="9070560" cy="4383360"/>
           </a:xfrm>
           <a:prstGeom prst="rect">
             <a:avLst/>

--- a/Presentation1.pptx
+++ b/Presentation1.pptx
@@ -12,7 +12,7 @@
     <p:sldId id="259" r:id="rId7"/>
   </p:sldIdLst>
   <p:sldSz cx="10080625" cy="7559675"/>
-  <p:notesSz cx="7772400" cy="10058400"/>
+  <p:notesSz cx="7559675" cy="10691812"/>
 </p:presentation>
 </file>
 
@@ -68,7 +68,7 @@
         <p:spPr>
           <a:xfrm>
             <a:off x="504000" y="301320"/>
-            <a:ext cx="9072000" cy="1261800"/>
+            <a:ext cx="9072000" cy="1262160"/>
           </a:xfrm>
           <a:prstGeom prst="rect">
             <a:avLst/>
@@ -169,7 +169,7 @@
         <p:spPr>
           <a:xfrm>
             <a:off x="504000" y="301320"/>
-            <a:ext cx="9072000" cy="1261800"/>
+            <a:ext cx="9072000" cy="1262160"/>
           </a:xfrm>
           <a:prstGeom prst="rect">
             <a:avLst/>
@@ -322,7 +322,7 @@
         <p:spPr>
           <a:xfrm>
             <a:off x="504000" y="301320"/>
-            <a:ext cx="9072000" cy="1261800"/>
+            <a:ext cx="9072000" cy="1262160"/>
           </a:xfrm>
           <a:prstGeom prst="rect">
             <a:avLst/>
@@ -396,7 +396,9 @@
         </p:nvPicPr>
         <p:blipFill>
           <a:blip r:embed="rId2"/>
-          <a:stretch/>
+          <a:stretch>
+            <a:fillRect/>
+          </a:stretch>
         </p:blipFill>
         <p:spPr>
           <a:xfrm>
@@ -419,7 +421,9 @@
         </p:nvPicPr>
         <p:blipFill>
           <a:blip r:embed="rId3"/>
-          <a:stretch/>
+          <a:stretch>
+            <a:fillRect/>
+          </a:stretch>
         </p:blipFill>
         <p:spPr>
           <a:xfrm>
@@ -491,7 +495,7 @@
         <p:spPr>
           <a:xfrm>
             <a:off x="504000" y="301320"/>
-            <a:ext cx="9072000" cy="1261800"/>
+            <a:ext cx="9072000" cy="1262160"/>
           </a:xfrm>
           <a:prstGeom prst="rect">
             <a:avLst/>
@@ -518,7 +522,7 @@
         <p:spPr>
           <a:xfrm>
             <a:off x="504000" y="1768680"/>
-            <a:ext cx="9072000" cy="4384080"/>
+            <a:ext cx="9072000" cy="4384440"/>
           </a:xfrm>
           <a:prstGeom prst="rect">
             <a:avLst/>
@@ -567,7 +571,7 @@
         <p:spPr>
           <a:xfrm>
             <a:off x="504000" y="301320"/>
-            <a:ext cx="9072000" cy="1261800"/>
+            <a:ext cx="9072000" cy="1262160"/>
           </a:xfrm>
           <a:prstGeom prst="rect">
             <a:avLst/>
@@ -642,7 +646,7 @@
         <p:spPr>
           <a:xfrm>
             <a:off x="504000" y="301320"/>
-            <a:ext cx="9072000" cy="1261800"/>
+            <a:ext cx="9072000" cy="1262160"/>
           </a:xfrm>
           <a:prstGeom prst="rect">
             <a:avLst/>
@@ -743,7 +747,7 @@
         <p:spPr>
           <a:xfrm>
             <a:off x="504000" y="301320"/>
-            <a:ext cx="9072000" cy="1261800"/>
+            <a:ext cx="9072000" cy="1262160"/>
           </a:xfrm>
           <a:prstGeom prst="rect">
             <a:avLst/>
@@ -792,7 +796,7 @@
         <p:spPr>
           <a:xfrm>
             <a:off x="504000" y="301320"/>
-            <a:ext cx="9072000" cy="5850360"/>
+            <a:ext cx="9072000" cy="5850720"/>
           </a:xfrm>
           <a:prstGeom prst="rect">
             <a:avLst/>
@@ -841,7 +845,7 @@
         <p:spPr>
           <a:xfrm>
             <a:off x="504000" y="301320"/>
-            <a:ext cx="9072000" cy="1261800"/>
+            <a:ext cx="9072000" cy="1262160"/>
           </a:xfrm>
           <a:prstGeom prst="rect">
             <a:avLst/>
@@ -968,7 +972,7 @@
         <p:spPr>
           <a:xfrm>
             <a:off x="504000" y="301320"/>
-            <a:ext cx="9072000" cy="1261800"/>
+            <a:ext cx="9072000" cy="1262160"/>
           </a:xfrm>
           <a:prstGeom prst="rect">
             <a:avLst/>
@@ -995,7 +999,7 @@
         <p:spPr>
           <a:xfrm>
             <a:off x="504000" y="1768680"/>
-            <a:ext cx="9072000" cy="4384080"/>
+            <a:ext cx="9072000" cy="4384440"/>
           </a:xfrm>
           <a:prstGeom prst="rect">
             <a:avLst/>
@@ -1044,7 +1048,7 @@
         <p:spPr>
           <a:xfrm>
             <a:off x="504000" y="301320"/>
-            <a:ext cx="9072000" cy="1261800"/>
+            <a:ext cx="9072000" cy="1262160"/>
           </a:xfrm>
           <a:prstGeom prst="rect">
             <a:avLst/>
@@ -1171,7 +1175,7 @@
         <p:spPr>
           <a:xfrm>
             <a:off x="504000" y="301320"/>
-            <a:ext cx="9072000" cy="1261800"/>
+            <a:ext cx="9072000" cy="1262160"/>
           </a:xfrm>
           <a:prstGeom prst="rect">
             <a:avLst/>
@@ -1298,7 +1302,7 @@
         <p:spPr>
           <a:xfrm>
             <a:off x="504000" y="301320"/>
-            <a:ext cx="9072000" cy="1261800"/>
+            <a:ext cx="9072000" cy="1262160"/>
           </a:xfrm>
           <a:prstGeom prst="rect">
             <a:avLst/>
@@ -1399,7 +1403,7 @@
         <p:spPr>
           <a:xfrm>
             <a:off x="504000" y="301320"/>
-            <a:ext cx="9072000" cy="1261800"/>
+            <a:ext cx="9072000" cy="1262160"/>
           </a:xfrm>
           <a:prstGeom prst="rect">
             <a:avLst/>
@@ -1552,7 +1556,7 @@
         <p:spPr>
           <a:xfrm>
             <a:off x="504000" y="301320"/>
-            <a:ext cx="9072000" cy="1261800"/>
+            <a:ext cx="9072000" cy="1262160"/>
           </a:xfrm>
           <a:prstGeom prst="rect">
             <a:avLst/>
@@ -1626,7 +1630,9 @@
         </p:nvPicPr>
         <p:blipFill>
           <a:blip r:embed="rId2"/>
-          <a:stretch/>
+          <a:stretch>
+            <a:fillRect/>
+          </a:stretch>
         </p:blipFill>
         <p:spPr>
           <a:xfrm>
@@ -1649,7 +1655,9 @@
         </p:nvPicPr>
         <p:blipFill>
           <a:blip r:embed="rId3"/>
-          <a:stretch/>
+          <a:stretch>
+            <a:fillRect/>
+          </a:stretch>
         </p:blipFill>
         <p:spPr>
           <a:xfrm>
@@ -1699,7 +1707,7 @@
         <p:spPr>
           <a:xfrm>
             <a:off x="504000" y="301320"/>
-            <a:ext cx="9072000" cy="1261800"/>
+            <a:ext cx="9072000" cy="1262160"/>
           </a:xfrm>
           <a:prstGeom prst="rect">
             <a:avLst/>
@@ -1774,7 +1782,7 @@
         <p:spPr>
           <a:xfrm>
             <a:off x="504000" y="301320"/>
-            <a:ext cx="9072000" cy="1261800"/>
+            <a:ext cx="9072000" cy="1262160"/>
           </a:xfrm>
           <a:prstGeom prst="rect">
             <a:avLst/>
@@ -1875,7 +1883,7 @@
         <p:spPr>
           <a:xfrm>
             <a:off x="504000" y="301320"/>
-            <a:ext cx="9072000" cy="1261800"/>
+            <a:ext cx="9072000" cy="1262160"/>
           </a:xfrm>
           <a:prstGeom prst="rect">
             <a:avLst/>
@@ -1924,7 +1932,7 @@
         <p:spPr>
           <a:xfrm>
             <a:off x="504000" y="301320"/>
-            <a:ext cx="9072000" cy="5850360"/>
+            <a:ext cx="9072000" cy="5850720"/>
           </a:xfrm>
           <a:prstGeom prst="rect">
             <a:avLst/>
@@ -1973,7 +1981,7 @@
         <p:spPr>
           <a:xfrm>
             <a:off x="504000" y="301320"/>
-            <a:ext cx="9072000" cy="1261800"/>
+            <a:ext cx="9072000" cy="1262160"/>
           </a:xfrm>
           <a:prstGeom prst="rect">
             <a:avLst/>
@@ -2100,7 +2108,7 @@
         <p:spPr>
           <a:xfrm>
             <a:off x="504000" y="301320"/>
-            <a:ext cx="9072000" cy="1261800"/>
+            <a:ext cx="9072000" cy="1262160"/>
           </a:xfrm>
           <a:prstGeom prst="rect">
             <a:avLst/>
@@ -2227,7 +2235,7 @@
         <p:spPr>
           <a:xfrm>
             <a:off x="504000" y="301320"/>
-            <a:ext cx="9072000" cy="1261800"/>
+            <a:ext cx="9072000" cy="1262160"/>
           </a:xfrm>
           <a:prstGeom prst="rect">
             <a:avLst/>
@@ -2354,7 +2362,7 @@
         <p:spPr>
           <a:xfrm>
             <a:off x="504000" y="301320"/>
-            <a:ext cx="9072000" cy="1261800"/>
+            <a:ext cx="9071640" cy="1261800"/>
           </a:xfrm>
           <a:prstGeom prst="rect">
             <a:avLst/>
@@ -2363,9 +2371,8 @@
         <p:txBody>
           <a:bodyPr lIns="0" rIns="0" tIns="0" bIns="0" anchor="ctr"/>
           <a:p>
-            <a:pPr algn="ctr"/>
             <a:r>
-              <a:rPr lang="en-US" sz="4400">
+              <a:rPr lang="en-US">
                 <a:latin typeface="Arial"/>
               </a:rPr>
               <a:t>Click to edit the title text format</a:t>
@@ -2387,7 +2394,7 @@
         <p:spPr>
           <a:xfrm>
             <a:off x="504000" y="1768680"/>
-            <a:ext cx="9072000" cy="4384080"/>
+            <a:ext cx="9071640" cy="4383720"/>
           </a:xfrm>
           <a:prstGeom prst="rect">
             <a:avLst/>
@@ -2402,7 +2409,7 @@
               <a:buChar char=""/>
             </a:pPr>
             <a:r>
-              <a:rPr lang="en-US" sz="3200">
+              <a:rPr lang="en-US">
                 <a:latin typeface="Arial"/>
               </a:rPr>
               <a:t>Click to edit the outline text format</a:t>
@@ -2416,7 +2423,7 @@
               <a:buChar char=""/>
             </a:pPr>
             <a:r>
-              <a:rPr lang="en-US" sz="2800">
+              <a:rPr lang="en-US">
                 <a:latin typeface="Arial"/>
               </a:rPr>
               <a:t>Second Outline Level</a:t>
@@ -2430,7 +2437,7 @@
               <a:buChar char=""/>
             </a:pPr>
             <a:r>
-              <a:rPr lang="en-US" sz="2400">
+              <a:rPr lang="en-US">
                 <a:latin typeface="Arial"/>
               </a:rPr>
               <a:t>Third Outline Level</a:t>
@@ -2444,7 +2451,7 @@
               <a:buChar char=""/>
             </a:pPr>
             <a:r>
-              <a:rPr lang="en-US" sz="2000">
+              <a:rPr lang="en-US">
                 <a:latin typeface="Arial"/>
               </a:rPr>
               <a:t>Fourth Outline Level</a:t>
@@ -2458,7 +2465,7 @@
               <a:buChar char=""/>
             </a:pPr>
             <a:r>
-              <a:rPr lang="en-US" sz="2000">
+              <a:rPr lang="en-US">
                 <a:latin typeface="Arial"/>
               </a:rPr>
               <a:t>Fifth Outline Level</a:t>
@@ -2472,7 +2479,7 @@
               <a:buChar char=""/>
             </a:pPr>
             <a:r>
-              <a:rPr lang="en-US" sz="2000">
+              <a:rPr lang="en-US">
                 <a:latin typeface="Arial"/>
               </a:rPr>
               <a:t>Sixth Outline Level</a:t>
@@ -2486,7 +2493,7 @@
               <a:buChar char=""/>
             </a:pPr>
             <a:r>
-              <a:rPr lang="en-US" sz="2000">
+              <a:rPr lang="en-US">
                 <a:latin typeface="Arial"/>
               </a:rPr>
               <a:t>Seventh Outline Level</a:t>
@@ -2732,7 +2739,7 @@
         <p:spPr>
           <a:xfrm>
             <a:off x="504000" y="301320"/>
-            <a:ext cx="9070560" cy="1261080"/>
+            <a:ext cx="9069480" cy="1260000"/>
           </a:xfrm>
           <a:prstGeom prst="rect">
             <a:avLst/>
@@ -2742,12 +2749,6 @@
             <a:noFill/>
           </a:ln>
         </p:spPr>
-        <p:style>
-          <a:lnRef idx="0"/>
-          <a:fillRef idx="0"/>
-          <a:effectRef idx="0"/>
-          <a:fontRef idx="minor"/>
-        </p:style>
       </p:sp>
       <p:sp>
         <p:nvSpPr>
@@ -2758,7 +2759,7 @@
         <p:spPr>
           <a:xfrm>
             <a:off x="504000" y="1769040"/>
-            <a:ext cx="9070560" cy="4383360"/>
+            <a:ext cx="9069480" cy="4382280"/>
           </a:xfrm>
           <a:prstGeom prst="rect">
             <a:avLst/>
@@ -2768,12 +2769,6 @@
             <a:noFill/>
           </a:ln>
         </p:spPr>
-        <p:style>
-          <a:lnRef idx="0"/>
-          <a:fillRef idx="0"/>
-          <a:effectRef idx="0"/>
-          <a:fontRef idx="minor"/>
-        </p:style>
       </p:sp>
       <p:pic>
         <p:nvPicPr>
@@ -2783,12 +2778,14 @@
         </p:nvPicPr>
         <p:blipFill>
           <a:blip r:embed="rId1"/>
-          <a:stretch/>
+          <a:stretch>
+            <a:fillRect/>
+          </a:stretch>
         </p:blipFill>
         <p:spPr>
           <a:xfrm>
-            <a:off x="0" y="-6840"/>
-            <a:ext cx="10080720" cy="7559280"/>
+            <a:off x="0" y="720"/>
+            <a:ext cx="10079640" cy="7558200"/>
           </a:xfrm>
           <a:prstGeom prst="rect">
             <a:avLst/>
@@ -2807,7 +2804,7 @@
         <p:spPr>
           <a:xfrm>
             <a:off x="504000" y="301320"/>
-            <a:ext cx="9070560" cy="1261080"/>
+            <a:ext cx="9069480" cy="1260000"/>
           </a:xfrm>
           <a:prstGeom prst="rect">
             <a:avLst/>
@@ -2817,14 +2814,48 @@
             <a:noFill/>
           </a:ln>
         </p:spPr>
-        <p:style>
-          <a:lnRef idx="0"/>
-          <a:fillRef idx="0"/>
-          <a:effectRef idx="0"/>
-          <a:fontRef idx="minor"/>
-        </p:style>
-        <p:txBody>
-          <a:bodyPr lIns="0" rIns="0" tIns="0" bIns="0" anchor="ctr"/>
+      </p:sp>
+      <p:sp>
+        <p:nvSpPr>
+          <p:cNvPr id="76" name="CustomShape 4"/>
+          <p:cNvSpPr/>
+          <p:nvPr/>
+        </p:nvSpPr>
+        <p:spPr>
+          <a:xfrm>
+            <a:off x="504000" y="1768680"/>
+            <a:ext cx="9070200" cy="4382280"/>
+          </a:xfrm>
+          <a:prstGeom prst="rect">
+            <a:avLst/>
+          </a:prstGeom>
+          <a:noFill/>
+          <a:ln>
+            <a:noFill/>
+          </a:ln>
+        </p:spPr>
+      </p:sp>
+      <p:sp>
+        <p:nvSpPr>
+          <p:cNvPr id="77" name="CustomShape 5"/>
+          <p:cNvSpPr/>
+          <p:nvPr/>
+        </p:nvSpPr>
+        <p:spPr>
+          <a:xfrm>
+            <a:off x="2743200" y="4846320"/>
+            <a:ext cx="5211360" cy="3108240"/>
+          </a:xfrm>
+          <a:prstGeom prst="rect">
+            <a:avLst/>
+          </a:prstGeom>
+          <a:noFill/>
+          <a:ln>
+            <a:noFill/>
+          </a:ln>
+        </p:spPr>
+        <p:txBody>
+          <a:bodyPr lIns="0" rIns="0" tIns="0" bIns="0"/>
           <a:p>
             <a:pPr algn="ctr">
               <a:lnSpc>
@@ -2832,44 +2863,56 @@
               </a:lnSpc>
             </a:pPr>
             <a:r>
-              <a:rPr lang="en-US" sz="4400" strike="noStrike">
-                <a:solidFill>
-                  <a:srgbClr val="000099"/>
-                </a:solidFill>
+              <a:rPr lang="en-US" sz="1600">
                 <a:latin typeface="Arial"/>
-                <a:ea typeface="DejaVu Sans"/>
               </a:rPr>
-              <a:t>Leiden Post It</a:t>
+              <a:t>Tim Merckens</a:t>
             </a:r>
             <a:endParaRPr/>
           </a:p>
-        </p:txBody>
-      </p:sp>
-      <p:sp>
-        <p:nvSpPr>
-          <p:cNvPr id="76" name="CustomShape 4"/>
-          <p:cNvSpPr/>
-          <p:nvPr/>
-        </p:nvSpPr>
-        <p:spPr>
-          <a:xfrm>
-            <a:off x="504000" y="1768680"/>
-            <a:ext cx="9071280" cy="4383360"/>
-          </a:xfrm>
-          <a:prstGeom prst="rect">
-            <a:avLst/>
-          </a:prstGeom>
-          <a:noFill/>
-          <a:ln>
-            <a:noFill/>
-          </a:ln>
-        </p:spPr>
-        <p:style>
-          <a:lnRef idx="0"/>
-          <a:fillRef idx="0"/>
-          <a:effectRef idx="0"/>
-          <a:fontRef idx="minor"/>
-        </p:style>
+          <a:p>
+            <a:pPr algn="ctr">
+              <a:lnSpc>
+                <a:spcPct val="100000"/>
+              </a:lnSpc>
+            </a:pPr>
+            <a:r>
+              <a:rPr lang="en-US" sz="1600">
+                <a:latin typeface="Arial"/>
+              </a:rPr>
+              <a:t>Egon Janssen</a:t>
+            </a:r>
+            <a:endParaRPr/>
+          </a:p>
+          <a:p>
+            <a:pPr algn="ctr">
+              <a:lnSpc>
+                <a:spcPct val="100000"/>
+              </a:lnSpc>
+            </a:pPr>
+            <a:r>
+              <a:rPr lang="en-US" sz="1600">
+                <a:latin typeface="Arial"/>
+              </a:rPr>
+              <a:t>Aaron Kannangara</a:t>
+            </a:r>
+            <a:endParaRPr/>
+          </a:p>
+          <a:p>
+            <a:pPr algn="ctr">
+              <a:lnSpc>
+                <a:spcPct val="100000"/>
+              </a:lnSpc>
+            </a:pPr>
+            <a:r>
+              <a:rPr lang="en-US" sz="1600">
+                <a:latin typeface="Arial"/>
+              </a:rPr>
+              <a:t>Taco Smits</a:t>
+            </a:r>
+            <a:endParaRPr/>
+          </a:p>
+        </p:txBody>
       </p:sp>
     </p:spTree>
   </p:cSld>
@@ -2922,14 +2965,14 @@
       </p:grpSpPr>
       <p:sp>
         <p:nvSpPr>
-          <p:cNvPr id="77" name="CustomShape 1"/>
+          <p:cNvPr id="78" name="CustomShape 1"/>
           <p:cNvSpPr/>
           <p:nvPr/>
         </p:nvSpPr>
         <p:spPr>
           <a:xfrm>
             <a:off x="504000" y="301320"/>
-            <a:ext cx="9070560" cy="1261080"/>
+            <a:ext cx="9069480" cy="1260000"/>
           </a:xfrm>
           <a:prstGeom prst="rect">
             <a:avLst/>
@@ -2939,12 +2982,6 @@
             <a:noFill/>
           </a:ln>
         </p:spPr>
-        <p:style>
-          <a:lnRef idx="0"/>
-          <a:fillRef idx="0"/>
-          <a:effectRef idx="0"/>
-          <a:fontRef idx="minor"/>
-        </p:style>
         <p:txBody>
           <a:bodyPr lIns="0" rIns="0" tIns="0" bIns="0" anchor="ctr"/>
           <a:p>
@@ -2954,7 +2991,7 @@
               </a:lnSpc>
             </a:pPr>
             <a:r>
-              <a:rPr lang="en-US" sz="4400" strike="noStrike">
+              <a:rPr lang="en-US" sz="4400">
                 <a:solidFill>
                   <a:srgbClr val="000099"/>
                 </a:solidFill>
@@ -2969,14 +3006,14 @@
       </p:sp>
       <p:sp>
         <p:nvSpPr>
-          <p:cNvPr id="78" name="CustomShape 2"/>
+          <p:cNvPr id="79" name="CustomShape 2"/>
           <p:cNvSpPr/>
           <p:nvPr/>
         </p:nvSpPr>
         <p:spPr>
           <a:xfrm>
             <a:off x="504000" y="1769040"/>
-            <a:ext cx="9070560" cy="4383360"/>
+            <a:ext cx="9069480" cy="4382280"/>
           </a:xfrm>
           <a:prstGeom prst="rect">
             <a:avLst/>
@@ -2986,12 +3023,6 @@
             <a:noFill/>
           </a:ln>
         </p:spPr>
-        <p:style>
-          <a:lnRef idx="0"/>
-          <a:fillRef idx="0"/>
-          <a:effectRef idx="0"/>
-          <a:fontRef idx="minor"/>
-        </p:style>
         <p:txBody>
           <a:bodyPr lIns="0" rIns="0" tIns="0" bIns="0"/>
           <a:p>
@@ -3004,14 +3035,14 @@
               <a:buChar char="l"/>
             </a:pPr>
             <a:r>
-              <a:rPr lang="en-US" sz="3200" strike="noStrike">
+              <a:rPr lang="en-US" sz="3200">
                 <a:solidFill>
                   <a:srgbClr val="000099"/>
                 </a:solidFill>
                 <a:latin typeface="Arial"/>
                 <a:ea typeface="DejaVu Sans"/>
               </a:rPr>
-              <a:t>Pictures, stories and other posts</a:t>
+              <a:t>Pictures</a:t>
             </a:r>
             <a:endParaRPr/>
           </a:p>
@@ -3025,14 +3056,56 @@
               <a:buChar char="l"/>
             </a:pPr>
             <a:r>
-              <a:rPr lang="en-US" sz="3200" strike="noStrike">
+              <a:rPr lang="en-US" sz="3200">
                 <a:solidFill>
                   <a:srgbClr val="000099"/>
                 </a:solidFill>
                 <a:latin typeface="Arial"/>
                 <a:ea typeface="DejaVu Sans"/>
               </a:rPr>
-              <a:t>Students in Leiden</a:t>
+              <a:t>Stories</a:t>
+            </a:r>
+            <a:endParaRPr/>
+          </a:p>
+          <a:p>
+            <a:pPr>
+              <a:lnSpc>
+                <a:spcPct val="100000"/>
+              </a:lnSpc>
+              <a:buSzPct val="45000"/>
+              <a:buFont typeface="StarSymbol"/>
+              <a:buChar char="l"/>
+            </a:pPr>
+            <a:r>
+              <a:rPr lang="en-US" sz="3200">
+                <a:solidFill>
+                  <a:srgbClr val="000099"/>
+                </a:solidFill>
+                <a:latin typeface="Arial"/>
+                <a:ea typeface="DejaVu Sans"/>
+              </a:rPr>
+              <a:t>News</a:t>
+            </a:r>
+            <a:endParaRPr/>
+          </a:p>
+          <a:p>
+            <a:pPr>
+              <a:lnSpc>
+                <a:spcPct val="100000"/>
+              </a:lnSpc>
+              <a:buSzPct val="45000"/>
+              <a:buFont typeface="StarSymbol"/>
+              <a:buChar char="l"/>
+            </a:pPr>
+            <a:r>
+              <a:rPr lang="en-US" sz="3200">
+                <a:solidFill>
+                  <a:srgbClr val="000099"/>
+                </a:solidFill>
+                <a:latin typeface="Arial"/>
+                <a:ea typeface="DejaVu Sans"/>
+              </a:rPr>
+              <a:t>User Uploads</a:t>
             </a:r>
             <a:endParaRPr/>
           </a:p>
@@ -3089,14 +3162,14 @@
       </p:grpSpPr>
       <p:sp>
         <p:nvSpPr>
-          <p:cNvPr id="79" name="CustomShape 1"/>
+          <p:cNvPr id="80" name="CustomShape 1"/>
           <p:cNvSpPr/>
           <p:nvPr/>
         </p:nvSpPr>
         <p:spPr>
           <a:xfrm>
             <a:off x="504000" y="301320"/>
-            <a:ext cx="9070560" cy="1261080"/>
+            <a:ext cx="9069480" cy="1260000"/>
           </a:xfrm>
           <a:prstGeom prst="rect">
             <a:avLst/>
@@ -3106,12 +3179,6 @@
             <a:noFill/>
           </a:ln>
         </p:spPr>
-        <p:style>
-          <a:lnRef idx="0"/>
-          <a:fillRef idx="0"/>
-          <a:effectRef idx="0"/>
-          <a:fontRef idx="minor"/>
-        </p:style>
         <p:txBody>
           <a:bodyPr lIns="0" rIns="0" tIns="0" bIns="0" anchor="ctr"/>
           <a:p>
@@ -3121,7 +3188,7 @@
               </a:lnSpc>
             </a:pPr>
             <a:r>
-              <a:rPr lang="en-US" sz="4400" strike="noStrike">
+              <a:rPr lang="en-US" sz="4400">
                 <a:solidFill>
                   <a:srgbClr val="330099"/>
                 </a:solidFill>
@@ -3136,14 +3203,14 @@
       </p:sp>
       <p:sp>
         <p:nvSpPr>
-          <p:cNvPr id="80" name="CustomShape 2"/>
+          <p:cNvPr id="81" name="CustomShape 2"/>
           <p:cNvSpPr/>
           <p:nvPr/>
         </p:nvSpPr>
         <p:spPr>
           <a:xfrm>
             <a:off x="504000" y="1769040"/>
-            <a:ext cx="9070560" cy="4383360"/>
+            <a:ext cx="9069480" cy="4382280"/>
           </a:xfrm>
           <a:prstGeom prst="rect">
             <a:avLst/>
@@ -3153,12 +3220,6 @@
             <a:noFill/>
           </a:ln>
         </p:spPr>
-        <p:style>
-          <a:lnRef idx="0"/>
-          <a:fillRef idx="0"/>
-          <a:effectRef idx="0"/>
-          <a:fontRef idx="minor"/>
-        </p:style>
         <p:txBody>
           <a:bodyPr lIns="0" rIns="0" tIns="0" bIns="0"/>
           <a:p>
@@ -3171,14 +3232,14 @@
               <a:buChar char="l"/>
             </a:pPr>
             <a:r>
-              <a:rPr lang="en-US" sz="3200" strike="noStrike">
+              <a:rPr lang="en-US" sz="3200">
                 <a:solidFill>
                   <a:srgbClr val="000099"/>
                 </a:solidFill>
                 <a:latin typeface="Arial"/>
                 <a:ea typeface="DejaVu Sans"/>
               </a:rPr>
-              <a:t>9gag, facebook, instagram and Secrets</a:t>
+              <a:t>9gag, facebook and instagram</a:t>
             </a:r>
             <a:endParaRPr/>
           </a:p>
@@ -3192,7 +3253,7 @@
               <a:buChar char="l"/>
             </a:pPr>
             <a:r>
-              <a:rPr lang="en-US" sz="3200" strike="noStrike">
+              <a:rPr lang="en-US" sz="3200">
                 <a:solidFill>
                   <a:srgbClr val="000099"/>
                 </a:solidFill>
@@ -3256,14 +3317,14 @@
       </p:grpSpPr>
       <p:sp>
         <p:nvSpPr>
-          <p:cNvPr id="81" name="CustomShape 1"/>
+          <p:cNvPr id="82" name="CustomShape 1"/>
           <p:cNvSpPr/>
           <p:nvPr/>
         </p:nvSpPr>
         <p:spPr>
           <a:xfrm>
             <a:off x="504000" y="301320"/>
-            <a:ext cx="9070560" cy="1261080"/>
+            <a:ext cx="9069480" cy="1260000"/>
           </a:xfrm>
           <a:prstGeom prst="rect">
             <a:avLst/>
@@ -3273,12 +3334,6 @@
             <a:noFill/>
           </a:ln>
         </p:spPr>
-        <p:style>
-          <a:lnRef idx="0"/>
-          <a:fillRef idx="0"/>
-          <a:effectRef idx="0"/>
-          <a:fontRef idx="minor"/>
-        </p:style>
         <p:txBody>
           <a:bodyPr lIns="0" rIns="0" tIns="0" bIns="0" anchor="ctr"/>
           <a:p>
@@ -3288,7 +3343,7 @@
               </a:lnSpc>
             </a:pPr>
             <a:r>
-              <a:rPr lang="en-US" sz="4400" strike="noStrike">
+              <a:rPr lang="en-US" sz="4400">
                 <a:solidFill>
                   <a:srgbClr val="000099"/>
                 </a:solidFill>
@@ -3303,14 +3358,14 @@
       </p:sp>
       <p:sp>
         <p:nvSpPr>
-          <p:cNvPr id="82" name="CustomShape 2"/>
+          <p:cNvPr id="83" name="CustomShape 2"/>
           <p:cNvSpPr/>
           <p:nvPr/>
         </p:nvSpPr>
         <p:spPr>
           <a:xfrm>
             <a:off x="548640" y="1769040"/>
-            <a:ext cx="9070560" cy="4383360"/>
+            <a:ext cx="9069480" cy="4382280"/>
           </a:xfrm>
           <a:prstGeom prst="rect">
             <a:avLst/>
@@ -3320,12 +3375,6 @@
             <a:noFill/>
           </a:ln>
         </p:spPr>
-        <p:style>
-          <a:lnRef idx="0"/>
-          <a:fillRef idx="0"/>
-          <a:effectRef idx="0"/>
-          <a:fontRef idx="minor"/>
-        </p:style>
         <p:txBody>
           <a:bodyPr lIns="0" rIns="0" tIns="0" bIns="0"/>
           <a:p>
@@ -3338,7 +3387,7 @@
               <a:buChar char="l"/>
             </a:pPr>
             <a:r>
-              <a:rPr lang="en-US" sz="3200" strike="noStrike">
+              <a:rPr lang="en-US" sz="3200">
                 <a:solidFill>
                   <a:srgbClr val="000099"/>
                 </a:solidFill>
@@ -3359,7 +3408,7 @@
               <a:buChar char="l"/>
             </a:pPr>
             <a:r>
-              <a:rPr lang="en-US" sz="3200" strike="noStrike">
+              <a:rPr lang="en-US" sz="3200">
                 <a:solidFill>
                   <a:srgbClr val="000099"/>
                 </a:solidFill>
@@ -3380,7 +3429,7 @@
               <a:buChar char="l"/>
             </a:pPr>
             <a:r>
-              <a:rPr lang="en-US" sz="3200" strike="noStrike">
+              <a:rPr lang="en-US" sz="3200">
                 <a:solidFill>
                   <a:srgbClr val="000099"/>
                 </a:solidFill>
@@ -3401,7 +3450,7 @@
               <a:buChar char="l"/>
             </a:pPr>
             <a:r>
-              <a:rPr lang="en-US" sz="3200" strike="noStrike">
+              <a:rPr lang="en-US" sz="3200">
                 <a:solidFill>
                   <a:srgbClr val="000099"/>
                 </a:solidFill>
@@ -3422,7 +3471,7 @@
               <a:buChar char="l"/>
             </a:pPr>
             <a:r>
-              <a:rPr lang="en-US" sz="3200" strike="noStrike">
+              <a:rPr lang="en-US" sz="3200">
                 <a:solidFill>
                   <a:srgbClr val="000099"/>
                 </a:solidFill>
